--- a/Dokumentation/Workshop_Folien.pptx
+++ b/Dokumentation/Workshop_Folien.pptx
@@ -6245,7 +6245,7 @@
           <a:p>
             <a:fld id="{B644A486-56E9-43FB-9486-7A01D1FD06EF}" type="datetimeFigureOut">
               <a:rPr lang="de-DE" smtClean="0"/>
-              <a:t>08.07.2023</a:t>
+              <a:t>10.07.2023</a:t>
             </a:fld>
             <a:endParaRPr lang="de-DE"/>
           </a:p>
@@ -7152,19 +7152,19 @@
             </a:r>
             <a:r>
               <a:rPr lang="de-DE" dirty="0"/>
-              <a:t>: Gruppe A erarbeitet sich das Verfahren nach </a:t>
-            </a:r>
-            <a:r>
-              <a:rPr lang="de-DE" dirty="0" err="1"/>
-              <a:t>d‘Hondt</a:t>
-            </a:r>
-            <a:r>
-              <a:rPr lang="de-DE" dirty="0"/>
-              <a:t>, Gruppe B das nach Sainte-</a:t>
+              <a:t>: Gruppe A erarbeitet sich das Verfahren nach Sainte-</a:t>
             </a:r>
             <a:r>
               <a:rPr lang="de-DE" dirty="0" err="1"/>
               <a:t>Lague</a:t>
+            </a:r>
+            <a:r>
+              <a:rPr lang="de-DE" dirty="0"/>
+              <a:t>, Gruppe B das nach </a:t>
+            </a:r>
+            <a:r>
+              <a:rPr lang="de-DE" dirty="0" err="1"/>
+              <a:t>D‘Hondt</a:t>
             </a:r>
             <a:br>
               <a:rPr lang="de-DE" dirty="0"/>
@@ -7815,6 +7815,9 @@
             <a:br>
               <a:rPr lang="de-DE" b="1" dirty="0"/>
             </a:br>
+            <a:endParaRPr lang="de-DE" b="1" dirty="0"/>
+          </a:p>
+          <a:p>
             <a:r>
               <a:rPr lang="de-DE" b="1" dirty="0"/>
               <a:t>Arbeitsphase V</a:t>
@@ -7858,6 +7861,9 @@
             <a:br>
               <a:rPr lang="de-DE" b="0" dirty="0"/>
             </a:br>
+            <a:endParaRPr lang="de-DE" b="0" dirty="0"/>
+          </a:p>
+          <a:p>
             <a:r>
               <a:rPr lang="de-DE" b="1" dirty="0"/>
               <a:t>Diskussion II:</a:t>
@@ -9097,8 +9103,11 @@
             </a:r>
             <a:r>
               <a:rPr lang="de-DE" dirty="0"/>
-              <a:t>: Die eigenständig ermittelten Sitzverteilungen und die jeweilige Vorgehensweise können nun (beispielsweise an der Tafel) gesammelt werden</a:t>
-            </a:r>
+              <a:t>: Die eigenständig ermittelten Sitzverteilungen und die jeweilige Vorgehensweise können (beispielsweise an der Tafel) gesammelt werden</a:t>
+            </a:r>
+          </a:p>
+          <a:p>
+            <a:endParaRPr lang="de-DE" b="1" dirty="0"/>
           </a:p>
           <a:p>
             <a:r>
@@ -9293,50 +9302,41 @@
             </a:r>
             <a:r>
               <a:rPr lang="de-DE" baseline="0" dirty="0"/>
-              <a:t>Niemeyer Sitzverteilungsverfahrens mit GeoGebra</a:t>
-            </a:r>
-          </a:p>
-          <a:p>
-            <a:pPr marL="0" indent="0">
-              <a:buNone/>
-            </a:pPr>
-            <a:r>
-              <a:rPr lang="de-DE" baseline="0" dirty="0"/>
-              <a:t>(https://www.geogebra.org/m/dussnheh)</a:t>
+              <a:t>Niemeyer Sitzverteilungsverfahrens mit GeoGebra (https://www.geogebra.org/m/dussnheh)</a:t>
             </a:r>
             <a:br>
               <a:rPr lang="de-DE" baseline="0" dirty="0"/>
             </a:br>
             <a:r>
               <a:rPr lang="de-DE" baseline="0" dirty="0"/>
-              <a:t>1. Stimmen aus Umfrage Bürgermeisterwahl eingeben</a:t>
-            </a:r>
-          </a:p>
-          <a:p>
-            <a:pPr marL="0" indent="0">
+              <a:t>	1. Stimmen aus Umfrage Bürgermeisterwahl eingeben</a:t>
+            </a:r>
+          </a:p>
+          <a:p>
+            <a:pPr marL="457200" lvl="1" indent="0">
               <a:buNone/>
             </a:pPr>
             <a:r>
               <a:rPr lang="de-DE" baseline="0" dirty="0"/>
-              <a:t>2. Prozentuale Sitzverteilung wird automatisch bestimmt</a:t>
-            </a:r>
-          </a:p>
-          <a:p>
-            <a:pPr marL="0" indent="0">
+              <a:t>	2. Prozentuale Sitzverteilung wird automatisch bestimmt</a:t>
+            </a:r>
+          </a:p>
+          <a:p>
+            <a:pPr marL="457200" lvl="1" indent="0">
               <a:buNone/>
             </a:pPr>
             <a:r>
               <a:rPr lang="de-DE" baseline="0" dirty="0"/>
-              <a:t>3. Sitze nach ganzzahligem Vorkommaanteil verteilen</a:t>
-            </a:r>
-          </a:p>
-          <a:p>
-            <a:pPr marL="0" indent="0">
+              <a:t>	3. Sitze nach ganzzahligem Vorkommaanteil verteilen</a:t>
+            </a:r>
+          </a:p>
+          <a:p>
+            <a:pPr marL="457200" lvl="1" indent="0">
               <a:buNone/>
             </a:pPr>
             <a:r>
               <a:rPr lang="de-DE" baseline="0" dirty="0"/>
-              <a:t>4. Restliche Sitze nach Reihenfolge des Nachkommaanteils verteilen</a:t>
+              <a:t>	4. Restliche Sitze nach Reihenfolge des Nachkommaanteils verteilen</a:t>
             </a:r>
           </a:p>
           <a:p>

--- a/Dokumentation/Workshop_Folien.pptx
+++ b/Dokumentation/Workshop_Folien.pptx
@@ -6245,7 +6245,7 @@
           <a:p>
             <a:fld id="{B644A486-56E9-43FB-9486-7A01D1FD06EF}" type="datetimeFigureOut">
               <a:rPr lang="de-DE" smtClean="0"/>
-              <a:t>10.07.2023</a:t>
+              <a:t>18.07.2023</a:t>
             </a:fld>
             <a:endParaRPr lang="de-DE"/>
           </a:p>
@@ -12476,6 +12476,331 @@
           </a:extLst>
         </p:spPr>
       </p:pic>
+      <p:sp>
+        <p:nvSpPr>
+          <p:cNvPr id="3" name="Textfeld 2">
+            <a:extLst>
+              <a:ext uri="{FF2B5EF4-FFF2-40B4-BE49-F238E27FC236}">
+                <a16:creationId xmlns:a16="http://schemas.microsoft.com/office/drawing/2014/main" id="{98F3086F-E322-271E-2858-7B994D951D33}"/>
+              </a:ext>
+            </a:extLst>
+          </p:cNvPr>
+          <p:cNvSpPr txBox="1"/>
+          <p:nvPr/>
+        </p:nvSpPr>
+        <p:spPr>
+          <a:xfrm>
+            <a:off x="1990153" y="4644709"/>
+            <a:ext cx="2042097" cy="338554"/>
+          </a:xfrm>
+          <a:prstGeom prst="rect">
+            <a:avLst/>
+          </a:prstGeom>
+          <a:solidFill>
+            <a:schemeClr val="bg1"/>
+          </a:solidFill>
+        </p:spPr>
+        <p:txBody>
+          <a:bodyPr wrap="none" rtlCol="0">
+            <a:spAutoFit/>
+          </a:bodyPr>
+          <a:lstStyle/>
+          <a:p>
+            <a:r>
+              <a:rPr lang="de-DE" sz="1600" b="1" dirty="0">
+                <a:solidFill>
+                  <a:srgbClr val="6D9EEB"/>
+                </a:solidFill>
+              </a:rPr>
+              <a:t>Daisy</a:t>
+            </a:r>
+            <a:r>
+              <a:rPr lang="de-DE" sz="1600" b="1" dirty="0"/>
+              <a:t>     </a:t>
+            </a:r>
+            <a:r>
+              <a:rPr lang="de-DE" sz="1600" b="1" dirty="0">
+                <a:solidFill>
+                  <a:srgbClr val="FE9900"/>
+                </a:solidFill>
+              </a:rPr>
+              <a:t>Goofy</a:t>
+            </a:r>
+            <a:r>
+              <a:rPr lang="de-DE" sz="1600" b="1" dirty="0"/>
+              <a:t>   </a:t>
+            </a:r>
+            <a:r>
+              <a:rPr lang="de-DE" sz="1600" b="1" dirty="0">
+                <a:solidFill>
+                  <a:srgbClr val="FF0002"/>
+                </a:solidFill>
+              </a:rPr>
+              <a:t>Micky</a:t>
+            </a:r>
+          </a:p>
+        </p:txBody>
+      </p:sp>
+      <p:sp>
+        <p:nvSpPr>
+          <p:cNvPr id="6" name="Textfeld 5">
+            <a:extLst>
+              <a:ext uri="{FF2B5EF4-FFF2-40B4-BE49-F238E27FC236}">
+                <a16:creationId xmlns:a16="http://schemas.microsoft.com/office/drawing/2014/main" id="{0C698237-BDDC-6B5D-CAF5-984A2902C298}"/>
+              </a:ext>
+            </a:extLst>
+          </p:cNvPr>
+          <p:cNvSpPr txBox="1"/>
+          <p:nvPr/>
+        </p:nvSpPr>
+        <p:spPr>
+          <a:xfrm>
+            <a:off x="4984792" y="4644709"/>
+            <a:ext cx="2042097" cy="338554"/>
+          </a:xfrm>
+          <a:prstGeom prst="rect">
+            <a:avLst/>
+          </a:prstGeom>
+          <a:solidFill>
+            <a:schemeClr val="bg1"/>
+          </a:solidFill>
+        </p:spPr>
+        <p:txBody>
+          <a:bodyPr wrap="none" rtlCol="0">
+            <a:spAutoFit/>
+          </a:bodyPr>
+          <a:lstStyle/>
+          <a:p>
+            <a:r>
+              <a:rPr lang="de-DE" sz="1600" b="1" dirty="0">
+                <a:solidFill>
+                  <a:srgbClr val="6D9EEB"/>
+                </a:solidFill>
+              </a:rPr>
+              <a:t>Daisy</a:t>
+            </a:r>
+            <a:r>
+              <a:rPr lang="de-DE" sz="1600" b="1" dirty="0"/>
+              <a:t>     </a:t>
+            </a:r>
+            <a:r>
+              <a:rPr lang="de-DE" sz="1600" b="1" dirty="0">
+                <a:solidFill>
+                  <a:srgbClr val="FE9900"/>
+                </a:solidFill>
+              </a:rPr>
+              <a:t>Goofy</a:t>
+            </a:r>
+            <a:r>
+              <a:rPr lang="de-DE" sz="1600" b="1" dirty="0"/>
+              <a:t>   </a:t>
+            </a:r>
+            <a:r>
+              <a:rPr lang="de-DE" sz="1600" b="1" dirty="0">
+                <a:solidFill>
+                  <a:srgbClr val="FF0002"/>
+                </a:solidFill>
+              </a:rPr>
+              <a:t>Micky</a:t>
+            </a:r>
+          </a:p>
+        </p:txBody>
+      </p:sp>
+      <p:sp>
+        <p:nvSpPr>
+          <p:cNvPr id="7" name="Textfeld 6">
+            <a:extLst>
+              <a:ext uri="{FF2B5EF4-FFF2-40B4-BE49-F238E27FC236}">
+                <a16:creationId xmlns:a16="http://schemas.microsoft.com/office/drawing/2014/main" id="{A4C7D121-8BB3-60AA-109B-6D6299FE51E6}"/>
+              </a:ext>
+            </a:extLst>
+          </p:cNvPr>
+          <p:cNvSpPr txBox="1"/>
+          <p:nvPr/>
+        </p:nvSpPr>
+        <p:spPr>
+          <a:xfrm>
+            <a:off x="8079803" y="4644709"/>
+            <a:ext cx="2042097" cy="338554"/>
+          </a:xfrm>
+          <a:prstGeom prst="rect">
+            <a:avLst/>
+          </a:prstGeom>
+          <a:solidFill>
+            <a:schemeClr val="bg1"/>
+          </a:solidFill>
+        </p:spPr>
+        <p:txBody>
+          <a:bodyPr wrap="none" rtlCol="0">
+            <a:spAutoFit/>
+          </a:bodyPr>
+          <a:lstStyle/>
+          <a:p>
+            <a:r>
+              <a:rPr lang="de-DE" sz="1600" b="1" dirty="0">
+                <a:solidFill>
+                  <a:srgbClr val="6D9EEB"/>
+                </a:solidFill>
+              </a:rPr>
+              <a:t>Daisy</a:t>
+            </a:r>
+            <a:r>
+              <a:rPr lang="de-DE" sz="1600" b="1" dirty="0"/>
+              <a:t>     </a:t>
+            </a:r>
+            <a:r>
+              <a:rPr lang="de-DE" sz="1600" b="1" dirty="0">
+                <a:solidFill>
+                  <a:srgbClr val="FE9900"/>
+                </a:solidFill>
+              </a:rPr>
+              <a:t>Goofy</a:t>
+            </a:r>
+            <a:r>
+              <a:rPr lang="de-DE" sz="1600" b="1" dirty="0"/>
+              <a:t>   </a:t>
+            </a:r>
+            <a:r>
+              <a:rPr lang="de-DE" sz="1600" b="1" dirty="0">
+                <a:solidFill>
+                  <a:srgbClr val="FF0002"/>
+                </a:solidFill>
+              </a:rPr>
+              <a:t>Micky</a:t>
+            </a:r>
+          </a:p>
+        </p:txBody>
+      </p:sp>
+      <p:sp>
+        <p:nvSpPr>
+          <p:cNvPr id="8" name="Textfeld 7">
+            <a:extLst>
+              <a:ext uri="{FF2B5EF4-FFF2-40B4-BE49-F238E27FC236}">
+                <a16:creationId xmlns:a16="http://schemas.microsoft.com/office/drawing/2014/main" id="{B117AD2A-ACFE-AF3C-9BE8-9254D6CB9879}"/>
+              </a:ext>
+            </a:extLst>
+          </p:cNvPr>
+          <p:cNvSpPr txBox="1"/>
+          <p:nvPr/>
+        </p:nvSpPr>
+        <p:spPr>
+          <a:xfrm>
+            <a:off x="1996503" y="4644709"/>
+            <a:ext cx="2042097" cy="338554"/>
+          </a:xfrm>
+          <a:prstGeom prst="rect">
+            <a:avLst/>
+          </a:prstGeom>
+          <a:solidFill>
+            <a:schemeClr val="bg1"/>
+          </a:solidFill>
+        </p:spPr>
+        <p:txBody>
+          <a:bodyPr wrap="none" rtlCol="0">
+            <a:spAutoFit/>
+          </a:bodyPr>
+          <a:lstStyle/>
+          <a:p>
+            <a:r>
+              <a:rPr lang="de-DE" sz="1600" b="1" dirty="0">
+                <a:solidFill>
+                  <a:srgbClr val="6D9EEB"/>
+                </a:solidFill>
+              </a:rPr>
+              <a:t>Daisy</a:t>
+            </a:r>
+            <a:r>
+              <a:rPr lang="de-DE" sz="1600" b="1" dirty="0"/>
+              <a:t>     </a:t>
+            </a:r>
+            <a:r>
+              <a:rPr lang="de-DE" sz="1600" b="1" dirty="0">
+                <a:solidFill>
+                  <a:srgbClr val="FE9900"/>
+                </a:solidFill>
+              </a:rPr>
+              <a:t>Goofy</a:t>
+            </a:r>
+            <a:r>
+              <a:rPr lang="de-DE" sz="1600" b="1" dirty="0"/>
+              <a:t>   </a:t>
+            </a:r>
+            <a:r>
+              <a:rPr lang="de-DE" sz="1600" b="1" dirty="0">
+                <a:solidFill>
+                  <a:srgbClr val="FF0002"/>
+                </a:solidFill>
+              </a:rPr>
+              <a:t>Micky</a:t>
+            </a:r>
+          </a:p>
+        </p:txBody>
+      </p:sp>
+      <p:sp>
+        <p:nvSpPr>
+          <p:cNvPr id="9" name="Textfeld 8">
+            <a:extLst>
+              <a:ext uri="{FF2B5EF4-FFF2-40B4-BE49-F238E27FC236}">
+                <a16:creationId xmlns:a16="http://schemas.microsoft.com/office/drawing/2014/main" id="{75D77779-26E3-8C2C-DB7B-C962C97509B9}"/>
+              </a:ext>
+            </a:extLst>
+          </p:cNvPr>
+          <p:cNvSpPr txBox="1"/>
+          <p:nvPr/>
+        </p:nvSpPr>
+        <p:spPr>
+          <a:xfrm>
+            <a:off x="8086153" y="4644709"/>
+            <a:ext cx="2042097" cy="338554"/>
+          </a:xfrm>
+          <a:prstGeom prst="rect">
+            <a:avLst/>
+          </a:prstGeom>
+          <a:solidFill>
+            <a:schemeClr val="bg1"/>
+          </a:solidFill>
+        </p:spPr>
+        <p:txBody>
+          <a:bodyPr wrap="none" rtlCol="0">
+            <a:spAutoFit/>
+          </a:bodyPr>
+          <a:lstStyle/>
+          <a:p>
+            <a:r>
+              <a:rPr lang="de-DE" sz="1600" b="1" dirty="0">
+                <a:solidFill>
+                  <a:srgbClr val="6D9EEB"/>
+                </a:solidFill>
+              </a:rPr>
+              <a:t>Daisy</a:t>
+            </a:r>
+            <a:r>
+              <a:rPr lang="de-DE" sz="1600" b="1" dirty="0"/>
+              <a:t>     </a:t>
+            </a:r>
+            <a:r>
+              <a:rPr lang="de-DE" sz="1600" b="1" dirty="0">
+                <a:solidFill>
+                  <a:srgbClr val="FE9900"/>
+                </a:solidFill>
+              </a:rPr>
+              <a:t>Goofy</a:t>
+            </a:r>
+            <a:r>
+              <a:rPr lang="de-DE" sz="1600" b="1" dirty="0"/>
+              <a:t>   </a:t>
+            </a:r>
+            <a:r>
+              <a:rPr lang="de-DE" sz="1600" b="1" dirty="0">
+                <a:solidFill>
+                  <a:srgbClr val="FF0002"/>
+                </a:solidFill>
+              </a:rPr>
+              <a:t>Micky</a:t>
+            </a:r>
+          </a:p>
+        </p:txBody>
+      </p:sp>
     </p:spTree>
     <p:extLst>
       <p:ext uri="{BB962C8B-B14F-4D97-AF65-F5344CB8AC3E}">
@@ -12706,6 +13031,201 @@
           </a:prstGeom>
         </p:spPr>
       </p:pic>
+      <p:sp>
+        <p:nvSpPr>
+          <p:cNvPr id="3" name="Textfeld 2">
+            <a:extLst>
+              <a:ext uri="{FF2B5EF4-FFF2-40B4-BE49-F238E27FC236}">
+                <a16:creationId xmlns:a16="http://schemas.microsoft.com/office/drawing/2014/main" id="{BE297F89-BA0B-771B-C67E-4E1CB51B376F}"/>
+              </a:ext>
+            </a:extLst>
+          </p:cNvPr>
+          <p:cNvSpPr txBox="1"/>
+          <p:nvPr/>
+        </p:nvSpPr>
+        <p:spPr>
+          <a:xfrm>
+            <a:off x="5010192" y="4644709"/>
+            <a:ext cx="2042097" cy="338554"/>
+          </a:xfrm>
+          <a:prstGeom prst="rect">
+            <a:avLst/>
+          </a:prstGeom>
+          <a:solidFill>
+            <a:schemeClr val="bg1"/>
+          </a:solidFill>
+        </p:spPr>
+        <p:txBody>
+          <a:bodyPr wrap="none" rtlCol="0">
+            <a:spAutoFit/>
+          </a:bodyPr>
+          <a:lstStyle/>
+          <a:p>
+            <a:r>
+              <a:rPr lang="de-DE" sz="1600" b="1" dirty="0">
+                <a:solidFill>
+                  <a:srgbClr val="6D9EEB"/>
+                </a:solidFill>
+              </a:rPr>
+              <a:t>Daisy</a:t>
+            </a:r>
+            <a:r>
+              <a:rPr lang="de-DE" sz="1600" b="1" dirty="0"/>
+              <a:t>     </a:t>
+            </a:r>
+            <a:r>
+              <a:rPr lang="de-DE" sz="1600" b="1" dirty="0">
+                <a:solidFill>
+                  <a:srgbClr val="FE9900"/>
+                </a:solidFill>
+              </a:rPr>
+              <a:t>Goofy</a:t>
+            </a:r>
+            <a:r>
+              <a:rPr lang="de-DE" sz="1600" b="1" dirty="0"/>
+              <a:t>   </a:t>
+            </a:r>
+            <a:r>
+              <a:rPr lang="de-DE" sz="1600" b="1" dirty="0">
+                <a:solidFill>
+                  <a:srgbClr val="FF0002"/>
+                </a:solidFill>
+              </a:rPr>
+              <a:t>Micky</a:t>
+            </a:r>
+          </a:p>
+        </p:txBody>
+      </p:sp>
+      <p:sp>
+        <p:nvSpPr>
+          <p:cNvPr id="6" name="Textfeld 5">
+            <a:extLst>
+              <a:ext uri="{FF2B5EF4-FFF2-40B4-BE49-F238E27FC236}">
+                <a16:creationId xmlns:a16="http://schemas.microsoft.com/office/drawing/2014/main" id="{C5CB4EA5-C715-76D5-41F4-A127F1A94FD9}"/>
+              </a:ext>
+            </a:extLst>
+          </p:cNvPr>
+          <p:cNvSpPr txBox="1"/>
+          <p:nvPr/>
+        </p:nvSpPr>
+        <p:spPr>
+          <a:xfrm>
+            <a:off x="2021903" y="4644709"/>
+            <a:ext cx="2042097" cy="338554"/>
+          </a:xfrm>
+          <a:prstGeom prst="rect">
+            <a:avLst/>
+          </a:prstGeom>
+          <a:solidFill>
+            <a:schemeClr val="bg1"/>
+          </a:solidFill>
+        </p:spPr>
+        <p:txBody>
+          <a:bodyPr wrap="none" rtlCol="0">
+            <a:spAutoFit/>
+          </a:bodyPr>
+          <a:lstStyle/>
+          <a:p>
+            <a:r>
+              <a:rPr lang="de-DE" sz="1600" b="1" dirty="0">
+                <a:solidFill>
+                  <a:srgbClr val="6D9EEB"/>
+                </a:solidFill>
+              </a:rPr>
+              <a:t>Daisy</a:t>
+            </a:r>
+            <a:r>
+              <a:rPr lang="de-DE" sz="1600" b="1" dirty="0"/>
+              <a:t>     </a:t>
+            </a:r>
+            <a:r>
+              <a:rPr lang="de-DE" sz="1600" b="1" dirty="0">
+                <a:solidFill>
+                  <a:srgbClr val="FE9900"/>
+                </a:solidFill>
+              </a:rPr>
+              <a:t>Goofy</a:t>
+            </a:r>
+            <a:r>
+              <a:rPr lang="de-DE" sz="1600" b="1" dirty="0"/>
+              <a:t>   </a:t>
+            </a:r>
+            <a:r>
+              <a:rPr lang="de-DE" sz="1600" b="1" dirty="0">
+                <a:solidFill>
+                  <a:srgbClr val="FF0002"/>
+                </a:solidFill>
+              </a:rPr>
+              <a:t>Micky</a:t>
+            </a:r>
+          </a:p>
+        </p:txBody>
+      </p:sp>
+      <p:sp>
+        <p:nvSpPr>
+          <p:cNvPr id="7" name="Textfeld 6">
+            <a:extLst>
+              <a:ext uri="{FF2B5EF4-FFF2-40B4-BE49-F238E27FC236}">
+                <a16:creationId xmlns:a16="http://schemas.microsoft.com/office/drawing/2014/main" id="{C2859AE1-437B-F574-20F8-8C1A8A5BD9F1}"/>
+              </a:ext>
+            </a:extLst>
+          </p:cNvPr>
+          <p:cNvSpPr txBox="1"/>
+          <p:nvPr/>
+        </p:nvSpPr>
+        <p:spPr>
+          <a:xfrm>
+            <a:off x="7997253" y="4644709"/>
+            <a:ext cx="2042097" cy="338554"/>
+          </a:xfrm>
+          <a:prstGeom prst="rect">
+            <a:avLst/>
+          </a:prstGeom>
+          <a:solidFill>
+            <a:schemeClr val="bg1"/>
+          </a:solidFill>
+        </p:spPr>
+        <p:txBody>
+          <a:bodyPr wrap="none" rtlCol="0">
+            <a:spAutoFit/>
+          </a:bodyPr>
+          <a:lstStyle/>
+          <a:p>
+            <a:r>
+              <a:rPr lang="de-DE" sz="1600" b="1" dirty="0">
+                <a:solidFill>
+                  <a:srgbClr val="6D9EEB"/>
+                </a:solidFill>
+              </a:rPr>
+              <a:t>Daisy</a:t>
+            </a:r>
+            <a:r>
+              <a:rPr lang="de-DE" sz="1600" b="1" dirty="0"/>
+              <a:t>     </a:t>
+            </a:r>
+            <a:r>
+              <a:rPr lang="de-DE" sz="1600" b="1" dirty="0">
+                <a:solidFill>
+                  <a:srgbClr val="FE9900"/>
+                </a:solidFill>
+              </a:rPr>
+              <a:t>Goofy</a:t>
+            </a:r>
+            <a:r>
+              <a:rPr lang="de-DE" sz="1600" b="1" dirty="0"/>
+              <a:t>   </a:t>
+            </a:r>
+            <a:r>
+              <a:rPr lang="de-DE" sz="1600" b="1" dirty="0">
+                <a:solidFill>
+                  <a:srgbClr val="FF0002"/>
+                </a:solidFill>
+              </a:rPr>
+              <a:t>Micky</a:t>
+            </a:r>
+          </a:p>
+        </p:txBody>
+      </p:sp>
     </p:spTree>
     <p:extLst>
       <p:ext uri="{BB962C8B-B14F-4D97-AF65-F5344CB8AC3E}">

--- a/Dokumentation/Workshop_Folien.pptx
+++ b/Dokumentation/Workshop_Folien.pptx
@@ -439,6 +439,7 @@
     </c:legend>
     <c:plotVisOnly val="1"/>
     <c:dispBlanksAs val="gap"/>
+    <c:showDLblsOverMax val="0"/>
     <c:extLst>
       <c:ext xmlns:c16r3="http://schemas.microsoft.com/office/drawing/2017/03/chart" uri="{56B9EC1D-385E-4148-901F-78D8002777C0}">
         <c16r3:dataDisplayOptions16>
@@ -446,7 +447,6 @@
         </c16r3:dataDisplayOptions16>
       </c:ext>
     </c:extLst>
-    <c:showDLblsOverMax val="0"/>
   </c:chart>
   <c:spPr>
     <a:noFill/>
@@ -761,6 +761,7 @@
     </c:legend>
     <c:plotVisOnly val="1"/>
     <c:dispBlanksAs val="gap"/>
+    <c:showDLblsOverMax val="0"/>
     <c:extLst>
       <c:ext xmlns:c16r3="http://schemas.microsoft.com/office/drawing/2017/03/chart" uri="{56B9EC1D-385E-4148-901F-78D8002777C0}">
         <c16r3:dataDisplayOptions16>
@@ -768,7 +769,6 @@
         </c16r3:dataDisplayOptions16>
       </c:ext>
     </c:extLst>
-    <c:showDLblsOverMax val="0"/>
   </c:chart>
   <c:spPr>
     <a:noFill/>
@@ -1131,6 +1131,7 @@
     </c:legend>
     <c:plotVisOnly val="1"/>
     <c:dispBlanksAs val="gap"/>
+    <c:showDLblsOverMax val="0"/>
     <c:extLst>
       <c:ext xmlns:c16r3="http://schemas.microsoft.com/office/drawing/2017/03/chart" uri="{56B9EC1D-385E-4148-901F-78D8002777C0}">
         <c16r3:dataDisplayOptions16>
@@ -1138,7 +1139,6 @@
         </c16r3:dataDisplayOptions16>
       </c:ext>
     </c:extLst>
-    <c:showDLblsOverMax val="0"/>
   </c:chart>
   <c:spPr>
     <a:noFill/>
@@ -3840,8 +3840,12 @@
         <a:lstStyle/>
         <a:p>
           <a:r>
+            <a:rPr lang="de-DE" dirty="0" smtClean="0"/>
+            <a:t>Anteil der Sitze nach Prozent </a:t>
+          </a:r>
+          <a:r>
             <a:rPr lang="de-DE" dirty="0"/>
-            <a:t>Prozentuale Sitzverteilung bestimmen</a:t>
+            <a:t>bestimmen</a:t>
           </a:r>
         </a:p>
       </dgm:t>
@@ -3912,6 +3916,13 @@
         </dgm:presLayoutVars>
       </dgm:prSet>
       <dgm:spPr/>
+      <dgm:t>
+        <a:bodyPr/>
+        <a:lstStyle/>
+        <a:p>
+          <a:endParaRPr lang="de-DE"/>
+        </a:p>
+      </dgm:t>
     </dgm:pt>
     <dgm:pt modelId="{3DC82A6E-ABDD-4E2C-B08C-B998022F99DB}" type="pres">
       <dgm:prSet presAssocID="{C3867085-9894-4E33-9C60-DEB46588A874}" presName="composite" presStyleCnt="0"/>
@@ -3935,14 +3946,35 @@
         </dgm:presLayoutVars>
       </dgm:prSet>
       <dgm:spPr/>
+      <dgm:t>
+        <a:bodyPr/>
+        <a:lstStyle/>
+        <a:p>
+          <a:endParaRPr lang="de-DE"/>
+        </a:p>
+      </dgm:t>
     </dgm:pt>
     <dgm:pt modelId="{5166588B-6E24-4991-A59E-0AEB421603AD}" type="pres">
       <dgm:prSet presAssocID="{F819FE77-6CA6-46A5-8BE6-FF7DA9E52174}" presName="sibTrans" presStyleLbl="sibTrans2D1" presStyleIdx="0" presStyleCnt="3"/>
       <dgm:spPr/>
+      <dgm:t>
+        <a:bodyPr/>
+        <a:lstStyle/>
+        <a:p>
+          <a:endParaRPr lang="de-DE"/>
+        </a:p>
+      </dgm:t>
     </dgm:pt>
     <dgm:pt modelId="{C2340F59-BDFA-46EE-BD2F-738363041225}" type="pres">
       <dgm:prSet presAssocID="{F819FE77-6CA6-46A5-8BE6-FF7DA9E52174}" presName="connTx" presStyleLbl="sibTrans2D1" presStyleIdx="0" presStyleCnt="3"/>
       <dgm:spPr/>
+      <dgm:t>
+        <a:bodyPr/>
+        <a:lstStyle/>
+        <a:p>
+          <a:endParaRPr lang="de-DE"/>
+        </a:p>
+      </dgm:t>
     </dgm:pt>
     <dgm:pt modelId="{D016C248-7888-4130-BEFF-EDACE1532965}" type="pres">
       <dgm:prSet presAssocID="{ED6805DF-7B76-4197-B8ED-04239AB4C403}" presName="composite" presStyleCnt="0"/>
@@ -3966,14 +3998,35 @@
         </dgm:presLayoutVars>
       </dgm:prSet>
       <dgm:spPr/>
+      <dgm:t>
+        <a:bodyPr/>
+        <a:lstStyle/>
+        <a:p>
+          <a:endParaRPr lang="de-DE"/>
+        </a:p>
+      </dgm:t>
     </dgm:pt>
     <dgm:pt modelId="{F9D33C3F-2743-481D-B078-C20429E0D12A}" type="pres">
       <dgm:prSet presAssocID="{71DAAD12-656D-4DD5-8243-D14023082501}" presName="sibTrans" presStyleLbl="sibTrans2D1" presStyleIdx="1" presStyleCnt="3"/>
       <dgm:spPr/>
+      <dgm:t>
+        <a:bodyPr/>
+        <a:lstStyle/>
+        <a:p>
+          <a:endParaRPr lang="de-DE"/>
+        </a:p>
+      </dgm:t>
     </dgm:pt>
     <dgm:pt modelId="{CD120B7F-C0D9-4228-B5EC-4B8807C8F589}" type="pres">
       <dgm:prSet presAssocID="{71DAAD12-656D-4DD5-8243-D14023082501}" presName="connTx" presStyleLbl="sibTrans2D1" presStyleIdx="1" presStyleCnt="3"/>
       <dgm:spPr/>
+      <dgm:t>
+        <a:bodyPr/>
+        <a:lstStyle/>
+        <a:p>
+          <a:endParaRPr lang="de-DE"/>
+        </a:p>
+      </dgm:t>
     </dgm:pt>
     <dgm:pt modelId="{C464ACA8-8A69-4C3D-8066-40231DDE6F13}" type="pres">
       <dgm:prSet presAssocID="{8DD1FAA3-4864-4264-8913-58F0F61ACDE4}" presName="composite" presStyleCnt="0"/>
@@ -3997,14 +4050,35 @@
         </dgm:presLayoutVars>
       </dgm:prSet>
       <dgm:spPr/>
+      <dgm:t>
+        <a:bodyPr/>
+        <a:lstStyle/>
+        <a:p>
+          <a:endParaRPr lang="de-DE"/>
+        </a:p>
+      </dgm:t>
     </dgm:pt>
     <dgm:pt modelId="{D45341B0-8081-45CC-8B05-72E41C34E86B}" type="pres">
       <dgm:prSet presAssocID="{FBFD8C22-B48F-43B7-8E43-B7C948F91BE0}" presName="sibTrans" presStyleLbl="sibTrans2D1" presStyleIdx="2" presStyleCnt="3"/>
       <dgm:spPr/>
+      <dgm:t>
+        <a:bodyPr/>
+        <a:lstStyle/>
+        <a:p>
+          <a:endParaRPr lang="de-DE"/>
+        </a:p>
+      </dgm:t>
     </dgm:pt>
     <dgm:pt modelId="{B84045E2-66CA-4A62-8BD5-35D01E8625F4}" type="pres">
       <dgm:prSet presAssocID="{FBFD8C22-B48F-43B7-8E43-B7C948F91BE0}" presName="connTx" presStyleLbl="sibTrans2D1" presStyleIdx="2" presStyleCnt="3"/>
       <dgm:spPr/>
+      <dgm:t>
+        <a:bodyPr/>
+        <a:lstStyle/>
+        <a:p>
+          <a:endParaRPr lang="de-DE"/>
+        </a:p>
+      </dgm:t>
     </dgm:pt>
     <dgm:pt modelId="{26D68240-3AD4-4E6D-8B95-CAA10CDF0567}" type="pres">
       <dgm:prSet presAssocID="{43F4B9FB-CF97-4F6D-8B94-97BD388165ED}" presName="composite" presStyleCnt="0"/>
@@ -4028,32 +4102,39 @@
         </dgm:presLayoutVars>
       </dgm:prSet>
       <dgm:spPr/>
+      <dgm:t>
+        <a:bodyPr/>
+        <a:lstStyle/>
+        <a:p>
+          <a:endParaRPr lang="de-DE"/>
+        </a:p>
+      </dgm:t>
     </dgm:pt>
   </dgm:ptLst>
   <dgm:cxnLst>
+    <dgm:cxn modelId="{F2DDAE4F-A501-422C-9375-78712695EBEB}" srcId="{8DD1FAA3-4864-4264-8913-58F0F61ACDE4}" destId="{9CE8B070-87EF-4FED-AAB4-F421348E17E2}" srcOrd="0" destOrd="0" parTransId="{F12E66C9-40BD-412B-950B-AB78E113C4C6}" sibTransId="{5A247CBB-E6E8-4900-908B-E60178C8CF6E}"/>
+    <dgm:cxn modelId="{F9BBEA69-B1E6-4577-986E-AABD68F41814}" srcId="{F25D17B0-4C9B-46DA-A7A0-3FA1F2070291}" destId="{43F4B9FB-CF97-4F6D-8B94-97BD388165ED}" srcOrd="3" destOrd="0" parTransId="{005EDF45-8562-4416-9B20-C75640B2BDB2}" sibTransId="{7A5008C1-B14B-455D-BFC2-8AD64A72998C}"/>
+    <dgm:cxn modelId="{B7E35A55-4F49-43B6-960C-A753CEA3C146}" type="presOf" srcId="{71DAAD12-656D-4DD5-8243-D14023082501}" destId="{F9D33C3F-2743-481D-B078-C20429E0D12A}" srcOrd="0" destOrd="0" presId="urn:microsoft.com/office/officeart/2005/8/layout/hProcess10"/>
+    <dgm:cxn modelId="{14CE973A-CA54-485D-BFFD-E5A18629C9A2}" srcId="{ED6805DF-7B76-4197-B8ED-04239AB4C403}" destId="{95660A68-8A8A-4677-94C4-E4E76892CD1E}" srcOrd="0" destOrd="0" parTransId="{DE66CE67-1594-4149-8226-3BD01969B504}" sibTransId="{D70C6652-0B1C-4350-9C9C-F01712D4D464}"/>
+    <dgm:cxn modelId="{C53EC1D0-3200-4FAA-A35E-C224DC77A9D2}" type="presOf" srcId="{FBFD8C22-B48F-43B7-8E43-B7C948F91BE0}" destId="{B84045E2-66CA-4A62-8BD5-35D01E8625F4}" srcOrd="1" destOrd="0" presId="urn:microsoft.com/office/officeart/2005/8/layout/hProcess10"/>
+    <dgm:cxn modelId="{A2BA4EB8-C472-4DA7-BFCF-EB2A185781E6}" srcId="{43F4B9FB-CF97-4F6D-8B94-97BD388165ED}" destId="{6A3738A8-A982-4967-87AC-5B277347481C}" srcOrd="0" destOrd="0" parTransId="{7FB70CDC-BA20-4C2A-851C-14B7C5306CD5}" sibTransId="{8BA5B199-4347-41E6-A11B-32377A848BBC}"/>
+    <dgm:cxn modelId="{D726A3DE-CCA7-437B-8295-1B8C63FCBF60}" srcId="{F25D17B0-4C9B-46DA-A7A0-3FA1F2070291}" destId="{ED6805DF-7B76-4197-B8ED-04239AB4C403}" srcOrd="1" destOrd="0" parTransId="{39A31BAB-1429-46E7-BC1C-6866CEDCA8BC}" sibTransId="{71DAAD12-656D-4DD5-8243-D14023082501}"/>
+    <dgm:cxn modelId="{A41307E6-F547-4C2A-9540-855D64E530D7}" type="presOf" srcId="{43F4B9FB-CF97-4F6D-8B94-97BD388165ED}" destId="{724A645D-C68C-451B-8A25-DBB18ACB987C}" srcOrd="0" destOrd="0" presId="urn:microsoft.com/office/officeart/2005/8/layout/hProcess10"/>
+    <dgm:cxn modelId="{E340BC9A-3DAB-4DCD-926F-61B989DDB053}" type="presOf" srcId="{F25D17B0-4C9B-46DA-A7A0-3FA1F2070291}" destId="{D135CEDF-D42C-4868-8F45-0745756607C4}" srcOrd="0" destOrd="0" presId="urn:microsoft.com/office/officeart/2005/8/layout/hProcess10"/>
+    <dgm:cxn modelId="{B8CB077B-C407-49FD-87A6-3F2BE4D71113}" srcId="{F25D17B0-4C9B-46DA-A7A0-3FA1F2070291}" destId="{C3867085-9894-4E33-9C60-DEB46588A874}" srcOrd="0" destOrd="0" parTransId="{5DEC0449-4D50-4077-A4A1-6EE7A853188B}" sibTransId="{F819FE77-6CA6-46A5-8BE6-FF7DA9E52174}"/>
+    <dgm:cxn modelId="{7F259996-EAD7-4A15-8AF1-48E37FF95253}" type="presOf" srcId="{9CE8B070-87EF-4FED-AAB4-F421348E17E2}" destId="{F641E185-97F1-4D68-BC9F-238A59824466}" srcOrd="0" destOrd="1" presId="urn:microsoft.com/office/officeart/2005/8/layout/hProcess10"/>
+    <dgm:cxn modelId="{937E9754-872F-4D0A-9B57-2B35607EBD90}" type="presOf" srcId="{ED6805DF-7B76-4197-B8ED-04239AB4C403}" destId="{5793E8A7-8C3D-4FFC-BBB6-2776CEDF1968}" srcOrd="0" destOrd="0" presId="urn:microsoft.com/office/officeart/2005/8/layout/hProcess10"/>
+    <dgm:cxn modelId="{ABCD51D9-2290-4EC0-A629-F4A2768E2098}" srcId="{C3867085-9894-4E33-9C60-DEB46588A874}" destId="{150BD64A-24B4-41DB-A754-F455ED3437FD}" srcOrd="0" destOrd="0" parTransId="{C0504333-36FA-4A86-899A-376026D1A553}" sibTransId="{1AEB96CC-59DC-487D-AECF-DD620FE31EAB}"/>
+    <dgm:cxn modelId="{A5696950-AC98-4955-9BDB-BE328EF7FB34}" type="presOf" srcId="{71DAAD12-656D-4DD5-8243-D14023082501}" destId="{CD120B7F-C0D9-4228-B5EC-4B8807C8F589}" srcOrd="1" destOrd="0" presId="urn:microsoft.com/office/officeart/2005/8/layout/hProcess10"/>
+    <dgm:cxn modelId="{700E8548-6A09-4CEC-BC9C-C9A3232B5DB2}" type="presOf" srcId="{6A3738A8-A982-4967-87AC-5B277347481C}" destId="{724A645D-C68C-451B-8A25-DBB18ACB987C}" srcOrd="0" destOrd="1" presId="urn:microsoft.com/office/officeart/2005/8/layout/hProcess10"/>
+    <dgm:cxn modelId="{D6AE7FFF-2310-4044-8ACA-9B03C23E6198}" type="presOf" srcId="{8DD1FAA3-4864-4264-8913-58F0F61ACDE4}" destId="{F641E185-97F1-4D68-BC9F-238A59824466}" srcOrd="0" destOrd="0" presId="urn:microsoft.com/office/officeart/2005/8/layout/hProcess10"/>
+    <dgm:cxn modelId="{482DADF6-7F65-42CC-867C-8D17FCECD43D}" srcId="{F25D17B0-4C9B-46DA-A7A0-3FA1F2070291}" destId="{8DD1FAA3-4864-4264-8913-58F0F61ACDE4}" srcOrd="2" destOrd="0" parTransId="{4F53E25D-9C8F-433E-8E9E-70EBF8705DDB}" sibTransId="{FBFD8C22-B48F-43B7-8E43-B7C948F91BE0}"/>
+    <dgm:cxn modelId="{46516B6A-7841-4810-AF9C-0275EB62AC6C}" type="presOf" srcId="{F819FE77-6CA6-46A5-8BE6-FF7DA9E52174}" destId="{C2340F59-BDFA-46EE-BD2F-738363041225}" srcOrd="1" destOrd="0" presId="urn:microsoft.com/office/officeart/2005/8/layout/hProcess10"/>
+    <dgm:cxn modelId="{5D0D46A1-C50F-49FD-9F83-F067B0C947E3}" type="presOf" srcId="{95660A68-8A8A-4677-94C4-E4E76892CD1E}" destId="{5793E8A7-8C3D-4FFC-BBB6-2776CEDF1968}" srcOrd="0" destOrd="1" presId="urn:microsoft.com/office/officeart/2005/8/layout/hProcess10"/>
     <dgm:cxn modelId="{E9C0F426-1536-450D-B44C-53D8A7231FC1}" type="presOf" srcId="{F819FE77-6CA6-46A5-8BE6-FF7DA9E52174}" destId="{5166588B-6E24-4991-A59E-0AEB421603AD}" srcOrd="0" destOrd="0" presId="urn:microsoft.com/office/officeart/2005/8/layout/hProcess10"/>
-    <dgm:cxn modelId="{14CE973A-CA54-485D-BFFD-E5A18629C9A2}" srcId="{ED6805DF-7B76-4197-B8ED-04239AB4C403}" destId="{95660A68-8A8A-4677-94C4-E4E76892CD1E}" srcOrd="0" destOrd="0" parTransId="{DE66CE67-1594-4149-8226-3BD01969B504}" sibTransId="{D70C6652-0B1C-4350-9C9C-F01712D4D464}"/>
-    <dgm:cxn modelId="{700E8548-6A09-4CEC-BC9C-C9A3232B5DB2}" type="presOf" srcId="{6A3738A8-A982-4967-87AC-5B277347481C}" destId="{724A645D-C68C-451B-8A25-DBB18ACB987C}" srcOrd="0" destOrd="1" presId="urn:microsoft.com/office/officeart/2005/8/layout/hProcess10"/>
-    <dgm:cxn modelId="{F9BBEA69-B1E6-4577-986E-AABD68F41814}" srcId="{F25D17B0-4C9B-46DA-A7A0-3FA1F2070291}" destId="{43F4B9FB-CF97-4F6D-8B94-97BD388165ED}" srcOrd="3" destOrd="0" parTransId="{005EDF45-8562-4416-9B20-C75640B2BDB2}" sibTransId="{7A5008C1-B14B-455D-BFC2-8AD64A72998C}"/>
-    <dgm:cxn modelId="{46516B6A-7841-4810-AF9C-0275EB62AC6C}" type="presOf" srcId="{F819FE77-6CA6-46A5-8BE6-FF7DA9E52174}" destId="{C2340F59-BDFA-46EE-BD2F-738363041225}" srcOrd="1" destOrd="0" presId="urn:microsoft.com/office/officeart/2005/8/layout/hProcess10"/>
-    <dgm:cxn modelId="{F2DDAE4F-A501-422C-9375-78712695EBEB}" srcId="{8DD1FAA3-4864-4264-8913-58F0F61ACDE4}" destId="{9CE8B070-87EF-4FED-AAB4-F421348E17E2}" srcOrd="0" destOrd="0" parTransId="{F12E66C9-40BD-412B-950B-AB78E113C4C6}" sibTransId="{5A247CBB-E6E8-4900-908B-E60178C8CF6E}"/>
-    <dgm:cxn modelId="{A5696950-AC98-4955-9BDB-BE328EF7FB34}" type="presOf" srcId="{71DAAD12-656D-4DD5-8243-D14023082501}" destId="{CD120B7F-C0D9-4228-B5EC-4B8807C8F589}" srcOrd="1" destOrd="0" presId="urn:microsoft.com/office/officeart/2005/8/layout/hProcess10"/>
-    <dgm:cxn modelId="{937E9754-872F-4D0A-9B57-2B35607EBD90}" type="presOf" srcId="{ED6805DF-7B76-4197-B8ED-04239AB4C403}" destId="{5793E8A7-8C3D-4FFC-BBB6-2776CEDF1968}" srcOrd="0" destOrd="0" presId="urn:microsoft.com/office/officeart/2005/8/layout/hProcess10"/>
-    <dgm:cxn modelId="{B7E35A55-4F49-43B6-960C-A753CEA3C146}" type="presOf" srcId="{71DAAD12-656D-4DD5-8243-D14023082501}" destId="{F9D33C3F-2743-481D-B078-C20429E0D12A}" srcOrd="0" destOrd="0" presId="urn:microsoft.com/office/officeart/2005/8/layout/hProcess10"/>
-    <dgm:cxn modelId="{B8CB077B-C407-49FD-87A6-3F2BE4D71113}" srcId="{F25D17B0-4C9B-46DA-A7A0-3FA1F2070291}" destId="{C3867085-9894-4E33-9C60-DEB46588A874}" srcOrd="0" destOrd="0" parTransId="{5DEC0449-4D50-4077-A4A1-6EE7A853188B}" sibTransId="{F819FE77-6CA6-46A5-8BE6-FF7DA9E52174}"/>
-    <dgm:cxn modelId="{BAA98B8D-12B7-4483-9605-C32CA72DD190}" type="presOf" srcId="{FBFD8C22-B48F-43B7-8E43-B7C948F91BE0}" destId="{D45341B0-8081-45CC-8B05-72E41C34E86B}" srcOrd="0" destOrd="0" presId="urn:microsoft.com/office/officeart/2005/8/layout/hProcess10"/>
-    <dgm:cxn modelId="{7F259996-EAD7-4A15-8AF1-48E37FF95253}" type="presOf" srcId="{9CE8B070-87EF-4FED-AAB4-F421348E17E2}" destId="{F641E185-97F1-4D68-BC9F-238A59824466}" srcOrd="0" destOrd="1" presId="urn:microsoft.com/office/officeart/2005/8/layout/hProcess10"/>
-    <dgm:cxn modelId="{E340BC9A-3DAB-4DCD-926F-61B989DDB053}" type="presOf" srcId="{F25D17B0-4C9B-46DA-A7A0-3FA1F2070291}" destId="{D135CEDF-D42C-4868-8F45-0745756607C4}" srcOrd="0" destOrd="0" presId="urn:microsoft.com/office/officeart/2005/8/layout/hProcess10"/>
-    <dgm:cxn modelId="{5D0D46A1-C50F-49FD-9F83-F067B0C947E3}" type="presOf" srcId="{95660A68-8A8A-4677-94C4-E4E76892CD1E}" destId="{5793E8A7-8C3D-4FFC-BBB6-2776CEDF1968}" srcOrd="0" destOrd="1" presId="urn:microsoft.com/office/officeart/2005/8/layout/hProcess10"/>
     <dgm:cxn modelId="{33B64CA8-0B29-4EBA-A048-23E78238CF35}" type="presOf" srcId="{150BD64A-24B4-41DB-A754-F455ED3437FD}" destId="{C5F4F538-3E45-4FBA-942E-745BE587A78B}" srcOrd="0" destOrd="1" presId="urn:microsoft.com/office/officeart/2005/8/layout/hProcess10"/>
     <dgm:cxn modelId="{D53905B6-1CDD-444C-8519-F4064175684F}" type="presOf" srcId="{C3867085-9894-4E33-9C60-DEB46588A874}" destId="{C5F4F538-3E45-4FBA-942E-745BE587A78B}" srcOrd="0" destOrd="0" presId="urn:microsoft.com/office/officeart/2005/8/layout/hProcess10"/>
-    <dgm:cxn modelId="{A2BA4EB8-C472-4DA7-BFCF-EB2A185781E6}" srcId="{43F4B9FB-CF97-4F6D-8B94-97BD388165ED}" destId="{6A3738A8-A982-4967-87AC-5B277347481C}" srcOrd="0" destOrd="0" parTransId="{7FB70CDC-BA20-4C2A-851C-14B7C5306CD5}" sibTransId="{8BA5B199-4347-41E6-A11B-32377A848BBC}"/>
-    <dgm:cxn modelId="{C53EC1D0-3200-4FAA-A35E-C224DC77A9D2}" type="presOf" srcId="{FBFD8C22-B48F-43B7-8E43-B7C948F91BE0}" destId="{B84045E2-66CA-4A62-8BD5-35D01E8625F4}" srcOrd="1" destOrd="0" presId="urn:microsoft.com/office/officeart/2005/8/layout/hProcess10"/>
-    <dgm:cxn modelId="{ABCD51D9-2290-4EC0-A629-F4A2768E2098}" srcId="{C3867085-9894-4E33-9C60-DEB46588A874}" destId="{150BD64A-24B4-41DB-A754-F455ED3437FD}" srcOrd="0" destOrd="0" parTransId="{C0504333-36FA-4A86-899A-376026D1A553}" sibTransId="{1AEB96CC-59DC-487D-AECF-DD620FE31EAB}"/>
-    <dgm:cxn modelId="{D726A3DE-CCA7-437B-8295-1B8C63FCBF60}" srcId="{F25D17B0-4C9B-46DA-A7A0-3FA1F2070291}" destId="{ED6805DF-7B76-4197-B8ED-04239AB4C403}" srcOrd="1" destOrd="0" parTransId="{39A31BAB-1429-46E7-BC1C-6866CEDCA8BC}" sibTransId="{71DAAD12-656D-4DD5-8243-D14023082501}"/>
-    <dgm:cxn modelId="{A41307E6-F547-4C2A-9540-855D64E530D7}" type="presOf" srcId="{43F4B9FB-CF97-4F6D-8B94-97BD388165ED}" destId="{724A645D-C68C-451B-8A25-DBB18ACB987C}" srcOrd="0" destOrd="0" presId="urn:microsoft.com/office/officeart/2005/8/layout/hProcess10"/>
-    <dgm:cxn modelId="{482DADF6-7F65-42CC-867C-8D17FCECD43D}" srcId="{F25D17B0-4C9B-46DA-A7A0-3FA1F2070291}" destId="{8DD1FAA3-4864-4264-8913-58F0F61ACDE4}" srcOrd="2" destOrd="0" parTransId="{4F53E25D-9C8F-433E-8E9E-70EBF8705DDB}" sibTransId="{FBFD8C22-B48F-43B7-8E43-B7C948F91BE0}"/>
-    <dgm:cxn modelId="{D6AE7FFF-2310-4044-8ACA-9B03C23E6198}" type="presOf" srcId="{8DD1FAA3-4864-4264-8913-58F0F61ACDE4}" destId="{F641E185-97F1-4D68-BC9F-238A59824466}" srcOrd="0" destOrd="0" presId="urn:microsoft.com/office/officeart/2005/8/layout/hProcess10"/>
+    <dgm:cxn modelId="{BAA98B8D-12B7-4483-9605-C32CA72DD190}" type="presOf" srcId="{FBFD8C22-B48F-43B7-8E43-B7C948F91BE0}" destId="{D45341B0-8081-45CC-8B05-72E41C34E86B}" srcOrd="0" destOrd="0" presId="urn:microsoft.com/office/officeart/2005/8/layout/hProcess10"/>
     <dgm:cxn modelId="{2AB72A60-C8A1-4025-9365-07E7028A3FF4}" type="presParOf" srcId="{D135CEDF-D42C-4868-8F45-0745756607C4}" destId="{3DC82A6E-ABDD-4E2C-B08C-B998022F99DB}" srcOrd="0" destOrd="0" presId="urn:microsoft.com/office/officeart/2005/8/layout/hProcess10"/>
     <dgm:cxn modelId="{D17CD09E-CC38-4FD6-95E2-D6FABFD29588}" type="presParOf" srcId="{3DC82A6E-ABDD-4E2C-B08C-B998022F99DB}" destId="{2EB895F6-B2DA-4FE9-9737-53BA3B1CEA5D}" srcOrd="0" destOrd="0" presId="urn:microsoft.com/office/officeart/2005/8/layout/hProcess10"/>
     <dgm:cxn modelId="{1A4736D5-469F-4223-A768-64C5DF2B2223}" type="presParOf" srcId="{3DC82A6E-ABDD-4E2C-B08C-B998022F99DB}" destId="{C5F4F538-3E45-4FBA-942E-745BE587A78B}" srcOrd="1" destOrd="0" presId="urn:microsoft.com/office/officeart/2005/8/layout/hProcess10"/>
@@ -4196,7 +4277,7 @@
         </a:bodyPr>
         <a:lstStyle/>
         <a:p>
-          <a:pPr marL="0" lvl="0" indent="0" algn="l" defTabSz="1022350">
+          <a:pPr lvl="0" algn="l" defTabSz="1022350">
             <a:lnSpc>
               <a:spcPct val="90000"/>
             </a:lnSpc>
@@ -4206,7 +4287,6 @@
             <a:spcAft>
               <a:spcPct val="35000"/>
             </a:spcAft>
-            <a:buNone/>
           </a:pPr>
           <a:r>
             <a:rPr lang="de-DE" sz="2300" kern="1200" dirty="0"/>
@@ -4224,7 +4304,7 @@
             <a:spcAft>
               <a:spcPct val="15000"/>
             </a:spcAft>
-            <a:buChar char="•"/>
+            <a:buChar char="••"/>
           </a:pPr>
           <a:r>
             <a:rPr lang="de-DE" sz="1800" kern="1200" dirty="0"/>
@@ -4287,7 +4367,7 @@
         </a:bodyPr>
         <a:lstStyle/>
         <a:p>
-          <a:pPr marL="0" lvl="0" indent="0" algn="ctr" defTabSz="800100">
+          <a:pPr lvl="0" algn="ctr" defTabSz="800100">
             <a:lnSpc>
               <a:spcPct val="90000"/>
             </a:lnSpc>
@@ -4297,7 +4377,6 @@
             <a:spcAft>
               <a:spcPct val="35000"/>
             </a:spcAft>
-            <a:buNone/>
           </a:pPr>
           <a:endParaRPr lang="de-DE" sz="1800" kern="1200"/>
         </a:p>
@@ -4412,7 +4491,7 @@
         </a:bodyPr>
         <a:lstStyle/>
         <a:p>
-          <a:pPr marL="0" lvl="0" indent="0" algn="l" defTabSz="1022350">
+          <a:pPr lvl="0" algn="l" defTabSz="1022350">
             <a:lnSpc>
               <a:spcPct val="90000"/>
             </a:lnSpc>
@@ -4422,7 +4501,6 @@
             <a:spcAft>
               <a:spcPct val="35000"/>
             </a:spcAft>
-            <a:buNone/>
           </a:pPr>
           <a:r>
             <a:rPr lang="de-DE" sz="2300" kern="1200" dirty="0"/>
@@ -4440,11 +4518,15 @@
             <a:spcAft>
               <a:spcPct val="15000"/>
             </a:spcAft>
-            <a:buChar char="•"/>
+            <a:buChar char="••"/>
           </a:pPr>
           <a:r>
+            <a:rPr lang="de-DE" sz="1800" kern="1200" dirty="0" smtClean="0"/>
+            <a:t>Anteil der Sitze nach Prozent </a:t>
+          </a:r>
+          <a:r>
             <a:rPr lang="de-DE" sz="1800" kern="1200" dirty="0"/>
-            <a:t>Prozentuale Sitzverteilung bestimmen</a:t>
+            <a:t>bestimmen</a:t>
           </a:r>
         </a:p>
       </dsp:txBody>
@@ -4503,7 +4585,7 @@
         </a:bodyPr>
         <a:lstStyle/>
         <a:p>
-          <a:pPr marL="0" lvl="0" indent="0" algn="ctr" defTabSz="800100">
+          <a:pPr lvl="0" algn="ctr" defTabSz="800100">
             <a:lnSpc>
               <a:spcPct val="90000"/>
             </a:lnSpc>
@@ -4513,7 +4595,6 @@
             <a:spcAft>
               <a:spcPct val="35000"/>
             </a:spcAft>
-            <a:buNone/>
           </a:pPr>
           <a:endParaRPr lang="de-DE" sz="1800" kern="1200"/>
         </a:p>
@@ -4628,7 +4709,7 @@
         </a:bodyPr>
         <a:lstStyle/>
         <a:p>
-          <a:pPr marL="0" lvl="0" indent="0" algn="l" defTabSz="1022350">
+          <a:pPr lvl="0" algn="l" defTabSz="1022350">
             <a:lnSpc>
               <a:spcPct val="90000"/>
             </a:lnSpc>
@@ -4638,7 +4719,6 @@
             <a:spcAft>
               <a:spcPct val="35000"/>
             </a:spcAft>
-            <a:buNone/>
           </a:pPr>
           <a:r>
             <a:rPr lang="de-DE" sz="2300" kern="1200" dirty="0"/>
@@ -4656,7 +4736,7 @@
             <a:spcAft>
               <a:spcPct val="15000"/>
             </a:spcAft>
-            <a:buChar char="•"/>
+            <a:buChar char="••"/>
           </a:pPr>
           <a:r>
             <a:rPr lang="de-DE" sz="1800" kern="1200" dirty="0"/>
@@ -4719,7 +4799,7 @@
         </a:bodyPr>
         <a:lstStyle/>
         <a:p>
-          <a:pPr marL="0" lvl="0" indent="0" algn="ctr" defTabSz="800100">
+          <a:pPr lvl="0" algn="ctr" defTabSz="800100">
             <a:lnSpc>
               <a:spcPct val="90000"/>
             </a:lnSpc>
@@ -4729,7 +4809,6 @@
             <a:spcAft>
               <a:spcPct val="35000"/>
             </a:spcAft>
-            <a:buNone/>
           </a:pPr>
           <a:endParaRPr lang="de-DE" sz="1800" kern="1200"/>
         </a:p>
@@ -4844,7 +4923,7 @@
         </a:bodyPr>
         <a:lstStyle/>
         <a:p>
-          <a:pPr marL="0" lvl="0" indent="0" algn="l" defTabSz="1022350">
+          <a:pPr lvl="0" algn="l" defTabSz="1022350">
             <a:lnSpc>
               <a:spcPct val="90000"/>
             </a:lnSpc>
@@ -4854,7 +4933,6 @@
             <a:spcAft>
               <a:spcPct val="35000"/>
             </a:spcAft>
-            <a:buNone/>
           </a:pPr>
           <a:r>
             <a:rPr lang="de-DE" sz="2300" kern="1200" dirty="0"/>
@@ -4872,7 +4950,7 @@
             <a:spcAft>
               <a:spcPct val="15000"/>
             </a:spcAft>
-            <a:buChar char="•"/>
+            <a:buChar char="••"/>
           </a:pPr>
           <a:r>
             <a:rPr lang="de-DE" sz="1800" kern="1200" dirty="0"/>
@@ -6245,7 +6323,7 @@
           <a:p>
             <a:fld id="{B644A486-56E9-43FB-9486-7A01D1FD06EF}" type="datetimeFigureOut">
               <a:rPr lang="de-DE" smtClean="0"/>
-              <a:t>18.07.2023</a:t>
+              <a:t>25.07.2023</a:t>
             </a:fld>
             <a:endParaRPr lang="de-DE"/>
           </a:p>
@@ -7166,6 +7244,10 @@
               <a:rPr lang="de-DE" dirty="0" err="1"/>
               <a:t>D‘Hondt</a:t>
             </a:r>
+            <a:r>
+              <a:rPr lang="de-DE" dirty="0"/>
+              <a:t/>
+            </a:r>
             <a:br>
               <a:rPr lang="de-DE" dirty="0"/>
             </a:br>
@@ -7812,6 +7894,10 @@
               <a:rPr lang="de-DE" b="0" dirty="0"/>
               <a:t>in 3 Gruppen, für jeweils eine der drei Parteien (Daisy, Goofy, Micky)</a:t>
             </a:r>
+            <a:r>
+              <a:rPr lang="de-DE" b="1" dirty="0"/>
+              <a:t/>
+            </a:r>
             <a:br>
               <a:rPr lang="de-DE" b="1" dirty="0"/>
             </a:br>
@@ -8635,6 +8721,10 @@
               <a:rPr lang="de-DE" b="1" baseline="0" dirty="0"/>
               <a:t>Umfrage: Bürgermeisterwahl</a:t>
             </a:r>
+            <a:r>
+              <a:rPr lang="de-DE" baseline="0" dirty="0"/>
+              <a:t/>
+            </a:r>
             <a:br>
               <a:rPr lang="de-DE" baseline="0" dirty="0"/>
             </a:br>
@@ -8659,6 +8749,10 @@
             <a:br>
               <a:rPr lang="de-DE" dirty="0"/>
             </a:br>
+            <a:r>
+              <a:rPr lang="de-DE" dirty="0"/>
+              <a:t/>
+            </a:r>
             <a:br>
               <a:rPr lang="de-DE" dirty="0"/>
             </a:br>
@@ -9318,7 +9412,15 @@
             </a:pPr>
             <a:r>
               <a:rPr lang="de-DE" baseline="0" dirty="0"/>
-              <a:t>	2. Prozentuale Sitzverteilung wird automatisch bestimmt</a:t>
+              <a:t>	2. </a:t>
+            </a:r>
+            <a:r>
+              <a:rPr lang="de-DE" baseline="0" dirty="0" smtClean="0"/>
+              <a:t>Anteil der Sitze nach Prozent wird </a:t>
+            </a:r>
+            <a:r>
+              <a:rPr lang="de-DE" baseline="0" dirty="0"/>
+              <a:t>automatisch bestimmt</a:t>
             </a:r>
           </a:p>
           <a:p>
@@ -20491,6 +20593,13 @@
   <p:clrMapOvr>
     <a:masterClrMapping/>
   </p:clrMapOvr>
+  <p:timing>
+    <p:tnLst>
+      <p:par>
+        <p:cTn id="1" dur="indefinite" restart="never" nodeType="tmRoot"/>
+      </p:par>
+    </p:tnLst>
+  </p:timing>
 </p:sld>
 </file>
 
@@ -20527,7 +20636,7 @@
           <a:lstStyle/>
           <a:p>
             <a:r>
-              <a:rPr lang="de-DE"/>
+              <a:rPr lang="de-DE" dirty="0"/>
               <a:t>Mathematik hinter Wahlen</a:t>
             </a:r>
           </a:p>
@@ -20680,6 +20789,52 @@
           </a:p>
         </p:txBody>
       </p:sp>
+      <p:sp>
+        <p:nvSpPr>
+          <p:cNvPr id="10" name="Textfeld 9">
+            <a:extLst>
+              <a:ext uri="{FF2B5EF4-FFF2-40B4-BE49-F238E27FC236}">
+                <a16:creationId xmlns:a16="http://schemas.microsoft.com/office/drawing/2014/main" id="{6DEABD4A-BB92-29FC-EE74-7B74E2AF4B0E}"/>
+              </a:ext>
+            </a:extLst>
+          </p:cNvPr>
+          <p:cNvSpPr txBox="1"/>
+          <p:nvPr/>
+        </p:nvSpPr>
+        <p:spPr>
+          <a:xfrm>
+            <a:off x="9816578" y="6356350"/>
+            <a:ext cx="2163862" cy="369332"/>
+          </a:xfrm>
+          <a:prstGeom prst="rect">
+            <a:avLst/>
+          </a:prstGeom>
+          <a:noFill/>
+        </p:spPr>
+        <p:txBody>
+          <a:bodyPr wrap="none" rtlCol="0">
+            <a:spAutoFit/>
+          </a:bodyPr>
+          <a:lstStyle/>
+          <a:p>
+            <a:r>
+              <a:rPr lang="de-DE" dirty="0" smtClean="0"/>
+              <a:t>vgl. </a:t>
+            </a:r>
+            <a:r>
+              <a:rPr lang="de-DE" dirty="0" err="1" smtClean="0">
+                <a:hlinkClick r:id="rId7"/>
+              </a:rPr>
+              <a:t>Pohlkamp</a:t>
+            </a:r>
+            <a:r>
+              <a:rPr lang="de-DE" dirty="0" smtClean="0"/>
+              <a:t>, S. 115</a:t>
+            </a:r>
+            <a:endParaRPr lang="de-DE" dirty="0"/>
+          </a:p>
+        </p:txBody>
+      </p:sp>
     </p:spTree>
     <p:extLst>
       <p:ext uri="{BB962C8B-B14F-4D97-AF65-F5344CB8AC3E}">
@@ -20690,6 +20845,13 @@
   <p:clrMapOvr>
     <a:masterClrMapping/>
   </p:clrMapOvr>
+  <p:timing>
+    <p:tnLst>
+      <p:par>
+        <p:cTn id="1" dur="indefinite" restart="never" nodeType="tmRoot"/>
+      </p:par>
+    </p:tnLst>
+  </p:timing>
 </p:sld>
 </file>
 
@@ -20761,6 +20923,10 @@
             <a:r>
               <a:rPr lang="de-DE" dirty="0"/>
               <a:t>Stimmt ab!</a:t>
+            </a:r>
+            <a:r>
+              <a:rPr lang="de-DE" b="1" dirty="0"/>
+              <a:t/>
             </a:r>
             <a:br>
               <a:rPr lang="de-DE" b="1" dirty="0"/>
@@ -20960,6 +21126,13 @@
   <p:clrMapOvr>
     <a:overrideClrMapping bg1="lt1" tx1="dk1" bg2="lt2" tx2="dk2" accent1="accent1" accent2="accent2" accent3="accent3" accent4="accent4" accent5="accent5" accent6="accent6" hlink="hlink" folHlink="folHlink"/>
   </p:clrMapOvr>
+  <p:timing>
+    <p:tnLst>
+      <p:par>
+        <p:cTn id="1" dur="indefinite" restart="never" nodeType="tmRoot"/>
+      </p:par>
+    </p:tnLst>
+  </p:timing>
 </p:sld>
 </file>
 
@@ -21315,7 +21488,7 @@
         </p:nvSpPr>
         <p:spPr>
           <a:xfrm>
-            <a:off x="8046720" y="5878413"/>
+            <a:off x="8046721" y="5878412"/>
             <a:ext cx="3943644" cy="646331"/>
           </a:xfrm>
           <a:prstGeom prst="rect">
@@ -21661,6 +21834,16 @@
                 <a:latin typeface="Open Sans" panose="020B0606030504020204" pitchFamily="34" charset="0"/>
               </a:rPr>
               <a:t>NIEDERSACHSEN. </a:t>
+            </a:r>
+            <a:r>
+              <a:rPr lang="de-DE" i="0" dirty="0">
+                <a:solidFill>
+                  <a:srgbClr val="444444"/>
+                </a:solidFill>
+                <a:effectLst/>
+                <a:latin typeface="Open Sans" panose="020B0606030504020204" pitchFamily="34" charset="0"/>
+              </a:rPr>
+              <a:t/>
             </a:r>
             <a:br>
               <a:rPr lang="de-DE" i="0" dirty="0">
@@ -22315,7 +22498,7 @@
         <p:spPr/>
         <p:txBody>
           <a:bodyPr>
-            <a:normAutofit fontScale="77500" lnSpcReduction="20000"/>
+            <a:normAutofit fontScale="62500" lnSpcReduction="20000"/>
           </a:bodyPr>
           <a:lstStyle/>
           <a:p>
@@ -22327,19 +22510,70 @@
             </a:r>
             <a:r>
               <a:rPr lang="de-DE" dirty="0"/>
-              <a:t> (Stand 05.06.2023)</a:t>
-            </a:r>
-          </a:p>
-          <a:p>
-            <a:r>
-              <a:rPr lang="de-DE" u="sng" dirty="0">
+              <a:t> (Stand 05.06.2023</a:t>
+            </a:r>
+            <a:r>
+              <a:rPr lang="de-DE" dirty="0" smtClean="0"/>
+              <a:t>)</a:t>
+            </a:r>
+          </a:p>
+          <a:p>
+            <a:r>
+              <a:rPr lang="de-DE" dirty="0">
                 <a:hlinkClick r:id="rId4"/>
               </a:rPr>
+              <a:t>https://web.archive.org/web/20211009140458id_/https://publications.rwth-aachen.de/record/825689/files/825689.pdf</a:t>
+            </a:r>
+            <a:r>
+              <a:rPr lang="de-DE" dirty="0"/>
+              <a:t> (Stand 25.07.2023</a:t>
+            </a:r>
+            <a:r>
+              <a:rPr lang="de-DE" dirty="0" smtClean="0"/>
+              <a:t>)</a:t>
+            </a:r>
+            <a:endParaRPr lang="de-DE" dirty="0"/>
+          </a:p>
+          <a:p>
+            <a:r>
+              <a:rPr lang="de-DE" u="sng" dirty="0" smtClean="0">
+                <a:hlinkClick r:id="rId5"/>
+              </a:rPr>
               <a:t>https://www.bayerische-staatszeitung.de/staatszeitung/kommunales/detailansicht-kommunales/artikel/csu-will-sich-mit-geaenderter-auszaehlmethode-bei-wahlen-beguenstigen.html#topPosition </a:t>
             </a:r>
             <a:r>
+              <a:rPr lang="de-DE" dirty="0" smtClean="0"/>
+              <a:t>(Stand 05.06.2023)</a:t>
+            </a:r>
+          </a:p>
+          <a:p>
+            <a:r>
+              <a:rPr lang="de-DE" u="sng" dirty="0" smtClean="0">
+                <a:hlinkClick r:id="rId6"/>
+              </a:rPr>
+              <a:t>https</a:t>
+            </a:r>
+            <a:r>
+              <a:rPr lang="de-DE" u="sng" dirty="0">
+                <a:hlinkClick r:id="rId6"/>
+              </a:rPr>
+              <a:t>://www.bpb.de/themen/politisches-system/wahlen-in-deutschland/335619/verhaeltniswahl/</a:t>
+            </a:r>
+            <a:r>
               <a:rPr lang="de-DE" dirty="0"/>
-              <a:t>(Stand 05.06.2023)</a:t>
+              <a:t> (Stand 05.06.2023)</a:t>
+            </a:r>
+          </a:p>
+          <a:p>
+            <a:r>
+              <a:rPr lang="de-DE" u="sng" dirty="0">
+                <a:hlinkClick r:id="rId7"/>
+              </a:rPr>
+              <a:t>https://www.math.kit.edu/didaktik/seite/stoffdidaktik/media/23_kit-didaktik-ws_pohlkamp.pdf</a:t>
+            </a:r>
+            <a:r>
+              <a:rPr lang="de-DE" dirty="0"/>
+              <a:t> (Stand 05.06.2023)</a:t>
             </a:r>
           </a:p>
           <a:p>
@@ -22347,44 +22581,27 @@
               <a:rPr lang="de-DE" u="sng" dirty="0">
                 <a:hlinkClick r:id="rId5"/>
               </a:rPr>
-              <a:t>https://www.bpb.de/themen/politisches-system/wahlen-in-deutschland/335619/verhaeltniswahl/</a:t>
+              <a:t>https://www.merkur.de/bayern/csu-chef-horst-seehofer-kritisiert-geplante-wahlrechtsreform-in-bayern-7712135.html</a:t>
             </a:r>
             <a:r>
               <a:rPr lang="de-DE" dirty="0"/>
-              <a:t> (Stand 05.06.2023)</a:t>
-            </a:r>
-          </a:p>
-          <a:p>
-            <a:r>
-              <a:rPr lang="de-DE" u="sng" dirty="0">
-                <a:hlinkClick r:id="rId6"/>
-              </a:rPr>
-              <a:t>https://www.math.kit.edu/didaktik/seite/stoffdidaktik/media/23_kit-didaktik-ws_pohlkamp.pdf</a:t>
-            </a:r>
-            <a:r>
-              <a:rPr lang="de-DE" dirty="0"/>
-              <a:t> (Stand 05.06.2023)</a:t>
-            </a:r>
-          </a:p>
-          <a:p>
-            <a:r>
-              <a:rPr lang="de-DE" u="sng" dirty="0">
-                <a:hlinkClick r:id="rId4"/>
-              </a:rPr>
-              <a:t>https://www.merkur.de/bayern/csu-chef-horst-seehofer-kritisiert-geplante-wahlrechtsreform-in-bayern-7712135.html</a:t>
-            </a:r>
-            <a:r>
-              <a:rPr lang="de-DE" dirty="0"/>
-              <a:t> (Stand 05.06.2023)</a:t>
-            </a:r>
-          </a:p>
-          <a:p>
+              <a:t> (Stand 05.06.2023</a:t>
+            </a:r>
+            <a:r>
+              <a:rPr lang="de-DE" dirty="0" smtClean="0"/>
+              <a:t>)</a:t>
+            </a:r>
+          </a:p>
+          <a:p>
+            <a:pPr marL="0" indent="0">
+              <a:buNone/>
+            </a:pPr>
             <a:endParaRPr lang="de-DE" dirty="0"/>
           </a:p>
           <a:p>
             <a:r>
               <a:rPr lang="de-DE" dirty="0">
-                <a:hlinkClick r:id="rId7"/>
+                <a:hlinkClick r:id="rId8"/>
               </a:rPr>
               <a:t>https://pixabay.com/de/illustrations/demokraten-amerika-abstimmung-3594094/</a:t>
             </a:r>
@@ -22498,6 +22715,10 @@
             <a:r>
               <a:rPr lang="de-DE" dirty="0"/>
               <a:t>Stimmt ab!</a:t>
+            </a:r>
+            <a:r>
+              <a:rPr lang="de-DE" b="1" dirty="0"/>
+              <a:t/>
             </a:r>
             <a:br>
               <a:rPr lang="de-DE" b="1" dirty="0"/>
@@ -22613,6 +22834,10 @@
               <a:rPr lang="de-DE" dirty="0"/>
               <a:t>Stimmt ab!</a:t>
             </a:r>
+            <a:r>
+              <a:rPr lang="de-DE" b="1" dirty="0"/>
+              <a:t/>
+            </a:r>
             <a:br>
               <a:rPr lang="de-DE" b="1" dirty="0"/>
             </a:br>
@@ -23202,7 +23427,7 @@
           <p:nvPr>
             <p:extLst>
               <p:ext uri="{D42A27DB-BD31-4B8C-83A1-F6EECF244321}">
-                <p14:modId xmlns:p14="http://schemas.microsoft.com/office/powerpoint/2010/main" val="3248138059"/>
+                <p14:modId xmlns:p14="http://schemas.microsoft.com/office/powerpoint/2010/main" val="3506810084"/>
               </p:ext>
             </p:extLst>
           </p:nvPr>
